--- a/Week 1/[WEEK1] PPT CTAPDEVL Introduction to Android.pptx
+++ b/Week 1/[WEEK1] PPT CTAPDEVL Introduction to Android.pptx
@@ -9707,6 +9707,18 @@
               <a:buNone/>
             </a:pPr>
             <a:r>
+              <a:rPr lang="en" dirty="0" err="1">
+                <a:solidFill>
+                  <a:srgbClr val="FAFAFA"/>
+                </a:solidFill>
+                <a:latin typeface="Roboto"/>
+                <a:ea typeface="Roboto"/>
+                <a:cs typeface="Roboto"/>
+                <a:sym typeface="Roboto"/>
+              </a:rPr>
+              <a:t>Elizer</a:t>
+            </a:r>
+            <a:r>
               <a:rPr lang="en" dirty="0">
                 <a:solidFill>
                   <a:srgbClr val="FAFAFA"/>
@@ -9716,7 +9728,31 @@
                 <a:cs typeface="Roboto"/>
                 <a:sym typeface="Roboto"/>
               </a:rPr>
-              <a:t>John Ivan C. Maurat, MIT</a:t>
+              <a:t> </a:t>
+            </a:r>
+            <a:r>
+              <a:rPr lang="en" dirty="0" err="1">
+                <a:solidFill>
+                  <a:srgbClr val="FAFAFA"/>
+                </a:solidFill>
+                <a:latin typeface="Roboto"/>
+                <a:ea typeface="Roboto"/>
+                <a:cs typeface="Roboto"/>
+                <a:sym typeface="Roboto"/>
+              </a:rPr>
+              <a:t>Ponio</a:t>
+            </a:r>
+            <a:r>
+              <a:rPr lang="en" dirty="0">
+                <a:solidFill>
+                  <a:srgbClr val="FAFAFA"/>
+                </a:solidFill>
+                <a:latin typeface="Roboto"/>
+                <a:ea typeface="Roboto"/>
+                <a:cs typeface="Roboto"/>
+                <a:sym typeface="Roboto"/>
+              </a:rPr>
+              <a:t> Jr.</a:t>
             </a:r>
             <a:endParaRPr dirty="0">
               <a:solidFill>
@@ -17605,6 +17641,17 @@
 </file>
 
 <file path=customXml/item1.xml><?xml version="1.0" encoding="utf-8"?>
+<p:properties xmlns:p="http://schemas.microsoft.com/office/2006/metadata/properties" xmlns:xsi="http://www.w3.org/2001/XMLSchema-instance" xmlns:pc="http://schemas.microsoft.com/office/infopath/2007/PartnerControls">
+  <documentManagement>
+    <TaxCatchAll xmlns="6de439ce-b7a3-4fe1-9235-7bacf5677901" xsi:nil="true"/>
+    <lcf76f155ced4ddcb4097134ff3c332f xmlns="9a780629-4d19-4bb9-9056-9a589cd4d271">
+      <Terms xmlns="http://schemas.microsoft.com/office/infopath/2007/PartnerControls"/>
+    </lcf76f155ced4ddcb4097134ff3c332f>
+  </documentManagement>
+</p:properties>
+</file>
+
+<file path=customXml/item2.xml><?xml version="1.0" encoding="utf-8"?>
 <ct:contentTypeSchema xmlns:ct="http://schemas.microsoft.com/office/2006/metadata/contentType" xmlns:ma="http://schemas.microsoft.com/office/2006/metadata/properties/metaAttributes" ct:_="" ma:_="" ma:contentTypeName="Document" ma:contentTypeID="0x0101000BE22A5FA3A2044CB9CD88DCBEA97603" ma:contentTypeVersion="13" ma:contentTypeDescription="Create a new document." ma:contentTypeScope="" ma:versionID="8bed720c1d94978318d9d7cd216c6cdd">
   <xsd:schema xmlns:xsd="http://www.w3.org/2001/XMLSchema" xmlns:xs="http://www.w3.org/2001/XMLSchema" xmlns:p="http://schemas.microsoft.com/office/2006/metadata/properties" xmlns:ns2="9a780629-4d19-4bb9-9056-9a589cd4d271" xmlns:ns3="6de439ce-b7a3-4fe1-9235-7bacf5677901" targetNamespace="http://schemas.microsoft.com/office/2006/metadata/properties" ma:root="true" ma:fieldsID="d1e6fd8c7da481a3d2be388127b355c0" ns2:_="" ns3:_="">
     <xsd:import namespace="9a780629-4d19-4bb9-9056-9a589cd4d271"/>
@@ -17827,17 +17874,6 @@
 </ct:contentTypeSchema>
 </file>
 
-<file path=customXml/item2.xml><?xml version="1.0" encoding="utf-8"?>
-<p:properties xmlns:p="http://schemas.microsoft.com/office/2006/metadata/properties" xmlns:xsi="http://www.w3.org/2001/XMLSchema-instance" xmlns:pc="http://schemas.microsoft.com/office/infopath/2007/PartnerControls">
-  <documentManagement>
-    <TaxCatchAll xmlns="6de439ce-b7a3-4fe1-9235-7bacf5677901" xsi:nil="true"/>
-    <lcf76f155ced4ddcb4097134ff3c332f xmlns="9a780629-4d19-4bb9-9056-9a589cd4d271">
-      <Terms xmlns="http://schemas.microsoft.com/office/infopath/2007/PartnerControls"/>
-    </lcf76f155ced4ddcb4097134ff3c332f>
-  </documentManagement>
-</p:properties>
-</file>
-
 <file path=customXml/item3.xml><?xml version="1.0" encoding="utf-8"?>
 <?mso-contentType ?>
 <FormTemplates xmlns="http://schemas.microsoft.com/sharepoint/v3/contenttype/forms">
@@ -17848,6 +17884,23 @@
 </file>
 
 <file path=customXml/itemProps1.xml><?xml version="1.0" encoding="utf-8"?>
+<ds:datastoreItem xmlns:ds="http://schemas.openxmlformats.org/officeDocument/2006/customXml" ds:itemID="{D07B87A3-95A2-4481-8914-867B898F7A1E}">
+  <ds:schemaRefs>
+    <ds:schemaRef ds:uri="6de439ce-b7a3-4fe1-9235-7bacf5677901"/>
+    <ds:schemaRef ds:uri="http://www.w3.org/XML/1998/namespace"/>
+    <ds:schemaRef ds:uri="http://purl.org/dc/dcmitype/"/>
+    <ds:schemaRef ds:uri="http://purl.org/dc/elements/1.1/"/>
+    <ds:schemaRef ds:uri="http://schemas.microsoft.com/office/2006/metadata/properties"/>
+    <ds:schemaRef ds:uri="http://schemas.microsoft.com/office/2006/documentManagement/types"/>
+    <ds:schemaRef ds:uri="http://schemas.openxmlformats.org/package/2006/metadata/core-properties"/>
+    <ds:schemaRef ds:uri="http://purl.org/dc/terms/"/>
+    <ds:schemaRef ds:uri="http://schemas.microsoft.com/office/infopath/2007/PartnerControls"/>
+    <ds:schemaRef ds:uri="9a780629-4d19-4bb9-9056-9a589cd4d271"/>
+  </ds:schemaRefs>
+</ds:datastoreItem>
+</file>
+
+<file path=customXml/itemProps2.xml><?xml version="1.0" encoding="utf-8"?>
 <ds:datastoreItem xmlns:ds="http://schemas.openxmlformats.org/officeDocument/2006/customXml" ds:itemID="{B1D7C2A4-F1C0-4B78-AF77-2334DA1AF9A3}">
   <ds:schemaRefs>
     <ds:schemaRef ds:uri="http://schemas.microsoft.com/office/2006/metadata/contentType"/>
@@ -17866,23 +17919,6 @@
 </ds:datastoreItem>
 </file>
 
-<file path=customXml/itemProps2.xml><?xml version="1.0" encoding="utf-8"?>
-<ds:datastoreItem xmlns:ds="http://schemas.openxmlformats.org/officeDocument/2006/customXml" ds:itemID="{D07B87A3-95A2-4481-8914-867B898F7A1E}">
-  <ds:schemaRefs>
-    <ds:schemaRef ds:uri="6de439ce-b7a3-4fe1-9235-7bacf5677901"/>
-    <ds:schemaRef ds:uri="http://www.w3.org/XML/1998/namespace"/>
-    <ds:schemaRef ds:uri="http://purl.org/dc/dcmitype/"/>
-    <ds:schemaRef ds:uri="http://purl.org/dc/elements/1.1/"/>
-    <ds:schemaRef ds:uri="http://schemas.microsoft.com/office/2006/metadata/properties"/>
-    <ds:schemaRef ds:uri="http://schemas.microsoft.com/office/2006/documentManagement/types"/>
-    <ds:schemaRef ds:uri="http://schemas.openxmlformats.org/package/2006/metadata/core-properties"/>
-    <ds:schemaRef ds:uri="http://purl.org/dc/terms/"/>
-    <ds:schemaRef ds:uri="http://schemas.microsoft.com/office/infopath/2007/PartnerControls"/>
-    <ds:schemaRef ds:uri="9a780629-4d19-4bb9-9056-9a589cd4d271"/>
-  </ds:schemaRefs>
-</ds:datastoreItem>
-</file>
-
 <file path=customXml/itemProps3.xml><?xml version="1.0" encoding="utf-8"?>
 <ds:datastoreItem xmlns:ds="http://schemas.openxmlformats.org/officeDocument/2006/customXml" ds:itemID="{8FEC006A-9D65-4C54-8094-FE73CF812FF8}">
   <ds:schemaRefs>
